--- a/2DGP_프로젝트_2차.pptx
+++ b/2DGP_프로젝트_2차.pptx
@@ -7495,10 +7495,10 @@
       </p:sp>
       <p:pic>
         <p:nvPicPr>
-          <p:cNvPr id="5" name="그림 4">
+          <p:cNvPr id="6" name="그림 5">
             <a:extLst>
               <a:ext uri="{FF2B5EF4-FFF2-40B4-BE49-F238E27FC236}">
-                <a16:creationId xmlns:a16="http://schemas.microsoft.com/office/drawing/2014/main" id="{D1DA1BFD-7B2E-9737-CAC0-47A34FE3074A}"/>
+                <a16:creationId xmlns:a16="http://schemas.microsoft.com/office/drawing/2014/main" id="{47786E1D-C244-D913-701E-4185915B9CF8}"/>
               </a:ext>
             </a:extLst>
           </p:cNvPr>
@@ -7515,8 +7515,8 @@
         </p:blipFill>
         <p:spPr>
           <a:xfrm>
-            <a:off x="1197483" y="796047"/>
-            <a:ext cx="9797034" cy="5265906"/>
+            <a:off x="455994" y="397497"/>
+            <a:ext cx="11280011" cy="6063006"/>
           </a:xfrm>
           <a:prstGeom prst="rect">
             <a:avLst/>
